--- a/Later/ObjectClass/ObjectClass_1/Java Object Class.pptx
+++ b/Later/ObjectClass/ObjectClass_1/Java Object Class.pptx
@@ -4094,15 +4094,7 @@
             </a:r>
             <a:r>
               <a:rPr lang="en-US" sz="1200" dirty="0"/>
-              <a:t> is the root of the class hierarchy. Every class has </a:t>
-            </a:r>
-            <a:r>
-              <a:rPr lang="en-US" sz="1200" dirty="0"/>
-              <a:t>Object</a:t>
-            </a:r>
-            <a:r>
-              <a:rPr lang="en-US" sz="1200" dirty="0"/>
-              <a:t> as a superclass. All objects, including arrays, implement the methods of this class</a:t>
+              <a:t> is the root of the class hierarchy. Every class has Object as a superclass. All objects, including arrays, implement the methods of this class</a:t>
             </a:r>
             <a:r>
               <a:rPr lang="en-US" sz="1200" dirty="0" smtClean="0"/>
@@ -5556,7 +5548,7 @@
         </p:blipFill>
         <p:spPr bwMode="auto">
           <a:xfrm>
-            <a:off x="269247" y="465137"/>
+            <a:off x="307975" y="762000"/>
             <a:ext cx="8569953" cy="4216387"/>
           </a:xfrm>
           <a:prstGeom prst="rect">
@@ -5579,6 +5571,57 @@
           </a:fontRef>
         </p:style>
       </p:pic>
+      <p:sp>
+        <p:nvSpPr>
+          <p:cNvPr id="2" name="Rectangle 1"/>
+          <p:cNvSpPr/>
+          <p:nvPr/>
+        </p:nvSpPr>
+        <p:spPr>
+          <a:xfrm>
+            <a:off x="460375" y="371317"/>
+            <a:ext cx="8089410" cy="246221"/>
+          </a:xfrm>
+          <a:prstGeom prst="rect">
+            <a:avLst/>
+          </a:prstGeom>
+        </p:spPr>
+        <p:style>
+          <a:lnRef idx="1">
+            <a:schemeClr val="accent2"/>
+          </a:lnRef>
+          <a:fillRef idx="3">
+            <a:schemeClr val="accent2"/>
+          </a:fillRef>
+          <a:effectRef idx="2">
+            <a:schemeClr val="accent2"/>
+          </a:effectRef>
+          <a:fontRef idx="minor">
+            <a:schemeClr val="lt1"/>
+          </a:fontRef>
+        </p:style>
+        <p:txBody>
+          <a:bodyPr wrap="square">
+            <a:spAutoFit/>
+          </a:bodyPr>
+          <a:lstStyle/>
+          <a:p>
+            <a:r>
+              <a:rPr lang="en-US" sz="1000" dirty="0"/>
+              <a:t>The Object class provides some common </a:t>
+            </a:r>
+            <a:r>
+              <a:rPr lang="en-US" sz="1000" dirty="0" smtClean="0"/>
+              <a:t>behaviors </a:t>
+            </a:r>
+            <a:r>
+              <a:rPr lang="en-US" sz="1000" dirty="0"/>
+              <a:t>to all the objects such as object can be compared, object can be cloned, object can be notified etc.</a:t>
+            </a:r>
+            <a:endParaRPr lang="en-US" sz="1000" dirty="0"/>
+          </a:p>
+        </p:txBody>
+      </p:sp>
     </p:spTree>
     <p:extLst>
       <p:ext uri="{BB962C8B-B14F-4D97-AF65-F5344CB8AC3E}">
